--- a/Презентация.pptx
+++ b/Презентация.pptx
@@ -11,9 +11,10 @@
     <p:sldId id="421" r:id="rId5"/>
     <p:sldId id="422" r:id="rId6"/>
     <p:sldId id="423" r:id="rId7"/>
-    <p:sldId id="424" r:id="rId8"/>
-    <p:sldId id="426" r:id="rId9"/>
-    <p:sldId id="420" r:id="rId10"/>
+    <p:sldId id="427" r:id="rId8"/>
+    <p:sldId id="424" r:id="rId9"/>
+    <p:sldId id="426" r:id="rId10"/>
+    <p:sldId id="420" r:id="rId11"/>
   </p:sldIdLst>
   <p:sldSz cx="12192000" cy="6858000"/>
   <p:notesSz cx="6858000" cy="9144000"/>
@@ -5878,7 +5879,7 @@
         <p:spPr>
           <a:xfrm>
             <a:off x="130630" y="1663478"/>
-            <a:ext cx="11878490" cy="3200107"/>
+            <a:ext cx="11878490" cy="4234236"/>
           </a:xfrm>
           <a:prstGeom prst="rect">
             <a:avLst/>
@@ -6014,6 +6015,28 @@
             <a:r>
               <a:rPr lang="ru-RU" sz="2400" b="1" dirty="0"/>
               <a:t> отчет времени с момента начала поездки. Для завершения поездки необходимо лишь подсоединить велосипед к замку на любой парковке сервиса.</a:t>
+            </a:r>
+            <a:endParaRPr lang="en-US" sz="2400" b="1" dirty="0"/>
+          </a:p>
+          <a:p>
+            <a:pPr lvl="0">
+              <a:lnSpc>
+                <a:spcPct val="70000"/>
+              </a:lnSpc>
+              <a:defRPr/>
+            </a:pPr>
+            <a:endParaRPr lang="en-US" sz="2400" b="1" dirty="0"/>
+          </a:p>
+          <a:p>
+            <a:pPr lvl="0">
+              <a:lnSpc>
+                <a:spcPct val="70000"/>
+              </a:lnSpc>
+              <a:defRPr/>
+            </a:pPr>
+            <a:r>
+              <a:rPr lang="ru-RU" sz="2400" b="1" dirty="0"/>
+              <a:t>Не надо покупать велосипед и хранить его дома. Можно рассмотреть возможность сдать свой велосипед в аренду нашему сервису, в обмен на бесплатное использование наших велосипедов арендодателем.</a:t>
             </a:r>
           </a:p>
           <a:p>
@@ -6663,7 +6686,7 @@
         </p:nvSpPr>
         <p:spPr>
           <a:xfrm>
-            <a:off x="258460" y="1663478"/>
+            <a:off x="258460" y="2587288"/>
             <a:ext cx="11750660" cy="1390381"/>
           </a:xfrm>
           <a:prstGeom prst="rect">
@@ -6818,10 +6841,10 @@
       </p:sp>
       <p:sp>
         <p:nvSpPr>
-          <p:cNvPr id="5" name="Rectangle 4">
-            <a:extLst>
-              <a:ext uri="{FF2B5EF4-FFF2-40B4-BE49-F238E27FC236}">
-                <a16:creationId xmlns:a16="http://schemas.microsoft.com/office/drawing/2014/main" id="{712985BD-0469-4784-8F4B-09487FB4ED5E}"/>
+          <p:cNvPr id="6" name="Rectangle 5">
+            <a:extLst>
+              <a:ext uri="{FF2B5EF4-FFF2-40B4-BE49-F238E27FC236}">
+                <a16:creationId xmlns:a16="http://schemas.microsoft.com/office/drawing/2014/main" id="{DDF59E50-71BB-4B7A-8825-12B855511DD2}"/>
               </a:ext>
             </a:extLst>
           </p:cNvPr>
@@ -6830,8 +6853,8 @@
         </p:nvSpPr>
         <p:spPr>
           <a:xfrm>
-            <a:off x="258460" y="3442204"/>
-            <a:ext cx="11750660" cy="1390381"/>
+            <a:off x="220670" y="4980606"/>
+            <a:ext cx="11750660" cy="873316"/>
           </a:xfrm>
           <a:prstGeom prst="rect">
             <a:avLst/>
@@ -6850,74 +6873,8 @@
               <a:defRPr/>
             </a:pPr>
             <a:r>
-              <a:rPr lang="en-US" sz="2400" b="1" dirty="0"/>
-              <a:t>IT </a:t>
-            </a:r>
-            <a:r>
               <a:rPr lang="ru-RU" sz="2400" b="1" dirty="0"/>
-              <a:t>инфраструктура:</a:t>
-            </a:r>
-          </a:p>
-          <a:p>
-            <a:pPr lvl="0">
-              <a:lnSpc>
-                <a:spcPct val="70000"/>
-              </a:lnSpc>
-              <a:defRPr/>
-            </a:pPr>
-            <a:endParaRPr lang="ru-RU" sz="2400" b="1" dirty="0"/>
-          </a:p>
-          <a:p>
-            <a:pPr lvl="1">
-              <a:lnSpc>
-                <a:spcPct val="70000"/>
-              </a:lnSpc>
-              <a:defRPr/>
-            </a:pPr>
-            <a:r>
-              <a:rPr kumimoji="0" lang="ru-RU" sz="2400" b="1" i="0" u="none" strike="noStrike" kern="1200" cap="none" spc="0" normalizeH="0" baseline="0" noProof="0" dirty="0">
-                <a:ln>
-                  <a:noFill/>
-                </a:ln>
-                <a:effectLst/>
-                <a:uLnTx/>
-                <a:uFillTx/>
-              </a:rPr>
-              <a:t>Разработка мобильного приложения </a:t>
-            </a:r>
-            <a:r>
-              <a:rPr kumimoji="0" lang="en-US" sz="2400" b="1" i="0" u="none" strike="noStrike" kern="1200" cap="none" spc="0" normalizeH="0" baseline="0" noProof="0" dirty="0">
-                <a:ln>
-                  <a:noFill/>
-                </a:ln>
-                <a:effectLst/>
-                <a:uLnTx/>
-                <a:uFillTx/>
-              </a:rPr>
-              <a:t>~ 1 200 000 </a:t>
-            </a:r>
-            <a:r>
-              <a:rPr kumimoji="0" lang="ru-RU" sz="2400" b="1" i="0" u="none" strike="noStrike" kern="1200" cap="none" spc="0" normalizeH="0" baseline="0" noProof="0" dirty="0">
-                <a:ln>
-                  <a:noFill/>
-                </a:ln>
-                <a:effectLst/>
-                <a:uLnTx/>
-                <a:uFillTx/>
-              </a:rPr>
-              <a:t>рублей</a:t>
-            </a:r>
-          </a:p>
-          <a:p>
-            <a:pPr lvl="1">
-              <a:lnSpc>
-                <a:spcPct val="70000"/>
-              </a:lnSpc>
-              <a:defRPr/>
-            </a:pPr>
-            <a:r>
-              <a:rPr lang="ru-RU" sz="2400" b="1" dirty="0"/>
-              <a:t>Разработка сайта (лендинг и базовый функционал) </a:t>
+              <a:t>Также необходимо заложить в месячные затраты механика (поддерживающего велосипеды в хорошем состоянии) и склад для хранения велосипедов </a:t>
             </a:r>
             <a:r>
               <a:rPr lang="en-US" sz="2400" b="1" dirty="0"/>
@@ -6925,39 +6882,16 @@
             </a:r>
             <a:r>
               <a:rPr lang="ru-RU" sz="2400" b="1" dirty="0"/>
-              <a:t>230 000 рублей</a:t>
-            </a:r>
-          </a:p>
-          <a:p>
-            <a:pPr lvl="1">
-              <a:lnSpc>
-                <a:spcPct val="70000"/>
-              </a:lnSpc>
-              <a:defRPr/>
-            </a:pPr>
-            <a:r>
-              <a:rPr kumimoji="0" lang="ru-RU" sz="2400" b="1" i="0" u="none" strike="noStrike" kern="1200" cap="none" spc="0" normalizeH="0" baseline="0" noProof="0" dirty="0">
-                <a:ln>
-                  <a:noFill/>
-                </a:ln>
-                <a:effectLst/>
-                <a:uLnTx/>
-                <a:uFillTx/>
-              </a:rPr>
-              <a:t>Аренда </a:t>
+              <a:t>150 000 + 50 000 </a:t>
+            </a:r>
+            <a:r>
+              <a:rPr lang="en-US" sz="2400" b="1" dirty="0"/>
+              <a:t>~ 200 000</a:t>
             </a:r>
             <a:r>
               <a:rPr lang="ru-RU" sz="2400" b="1" dirty="0"/>
-              <a:t>сервера зависит от количества юзеров</a:t>
-            </a:r>
-            <a:endParaRPr kumimoji="0" lang="ru-RU" sz="2400" b="1" i="0" u="none" strike="noStrike" kern="1200" cap="none" spc="0" normalizeH="0" baseline="0" noProof="0" dirty="0">
-              <a:ln>
-                <a:noFill/>
-              </a:ln>
-              <a:effectLst/>
-              <a:uLnTx/>
-              <a:uFillTx/>
-            </a:endParaRPr>
+              <a:t> рублей в год</a:t>
+            </a:r>
           </a:p>
         </p:txBody>
       </p:sp>
@@ -6993,10 +6927,39 @@
       </p:grpSpPr>
       <p:sp>
         <p:nvSpPr>
+          <p:cNvPr id="2" name="Footer Placeholder 1">
+            <a:extLst>
+              <a:ext uri="{FF2B5EF4-FFF2-40B4-BE49-F238E27FC236}">
+                <a16:creationId xmlns:a16="http://schemas.microsoft.com/office/drawing/2014/main" id="{F3B9FB27-A03D-425B-ADEA-421D5C0EE50F}"/>
+              </a:ext>
+            </a:extLst>
+          </p:cNvPr>
+          <p:cNvSpPr>
+            <a:spLocks noGrp="1"/>
+          </p:cNvSpPr>
+          <p:nvPr>
+            <p:ph type="ftr" sz="quarter" idx="11"/>
+          </p:nvPr>
+        </p:nvSpPr>
+        <p:spPr/>
+        <p:txBody>
+          <a:bodyPr/>
+          <a:lstStyle/>
+          <a:p>
+            <a:r>
+              <a:rPr lang="en-US"/>
+              <a:t>Copyright © 2018 Accenture. All rights reserved.</a:t>
+            </a:r>
+            <a:endParaRPr lang="en-US" dirty="0"/>
+          </a:p>
+        </p:txBody>
+      </p:sp>
+      <p:sp>
+        <p:nvSpPr>
           <p:cNvPr id="3" name="Slide Number Placeholder 2">
             <a:extLst>
               <a:ext uri="{FF2B5EF4-FFF2-40B4-BE49-F238E27FC236}">
-                <a16:creationId xmlns:a16="http://schemas.microsoft.com/office/drawing/2014/main" id="{A33F0A76-2B73-450D-A8FC-F7366EB87B34}"/>
+                <a16:creationId xmlns:a16="http://schemas.microsoft.com/office/drawing/2014/main" id="{361821C3-CE2F-40AB-AF20-0FBFDB17FB69}"/>
               </a:ext>
             </a:extLst>
           </p:cNvPr>
@@ -7012,84 +6975,21 @@
           <a:bodyPr/>
           <a:lstStyle/>
           <a:p>
-            <a:pPr marL="0" marR="0" lvl="0" indent="0" algn="r" defTabSz="914400" rtl="0" eaLnBrk="1" fontAlgn="auto" latinLnBrk="0" hangingPunct="1">
-              <a:lnSpc>
-                <a:spcPct val="100000"/>
-              </a:lnSpc>
-              <a:spcBef>
-                <a:spcPts val="0"/>
-              </a:spcBef>
-              <a:spcAft>
-                <a:spcPts val="0"/>
-              </a:spcAft>
-              <a:buClrTx/>
-              <a:buSzTx/>
-              <a:buFontTx/>
-              <a:buNone/>
-              <a:tabLst/>
-              <a:defRPr/>
-            </a:pPr>
             <a:fld id="{4F9AC08D-23A9-440E-BCB9-AA1E9877CC38}" type="slidenum">
-              <a:rPr kumimoji="0" lang="en-US" sz="1000" b="0" i="0" u="none" strike="noStrike" kern="1200" cap="none" spc="0" normalizeH="0" baseline="0" noProof="0" smtClean="0">
-                <a:ln>
-                  <a:noFill/>
-                </a:ln>
-                <a:solidFill>
-                  <a:prstClr val="white">
-                    <a:lumMod val="65000"/>
-                  </a:prstClr>
-                </a:solidFill>
-                <a:effectLst/>
-                <a:uLnTx/>
-                <a:uFillTx/>
-                <a:latin typeface="Arial"/>
-                <a:ea typeface="+mn-ea"/>
-                <a:cs typeface="+mn-cs"/>
-              </a:rPr>
-              <a:pPr marL="0" marR="0" lvl="0" indent="0" algn="r" defTabSz="914400" rtl="0" eaLnBrk="1" fontAlgn="auto" latinLnBrk="0" hangingPunct="1">
-                <a:lnSpc>
-                  <a:spcPct val="100000"/>
-                </a:lnSpc>
-                <a:spcBef>
-                  <a:spcPts val="0"/>
-                </a:spcBef>
-                <a:spcAft>
-                  <a:spcPts val="0"/>
-                </a:spcAft>
-                <a:buClrTx/>
-                <a:buSzTx/>
-                <a:buFontTx/>
-                <a:buNone/>
-                <a:tabLst/>
-                <a:defRPr/>
-              </a:pPr>
+              <a:rPr lang="en-US" smtClean="0"/>
+              <a:pPr/>
               <a:t>6</a:t>
             </a:fld>
-            <a:endParaRPr kumimoji="0" lang="en-US" sz="1000" b="0" i="0" u="none" strike="noStrike" kern="1200" cap="none" spc="0" normalizeH="0" baseline="0" noProof="0">
-              <a:ln>
-                <a:noFill/>
-              </a:ln>
-              <a:solidFill>
-                <a:prstClr val="white">
-                  <a:lumMod val="65000"/>
-                </a:prstClr>
-              </a:solidFill>
-              <a:effectLst/>
-              <a:uLnTx/>
-              <a:uFillTx/>
-              <a:latin typeface="Arial"/>
-              <a:ea typeface="+mn-ea"/>
-              <a:cs typeface="+mn-cs"/>
-            </a:endParaRPr>
-          </a:p>
-        </p:txBody>
-      </p:sp>
-      <p:sp>
-        <p:nvSpPr>
-          <p:cNvPr id="10" name="Rectangle 9">
-            <a:extLst>
-              <a:ext uri="{FF2B5EF4-FFF2-40B4-BE49-F238E27FC236}">
-                <a16:creationId xmlns:a16="http://schemas.microsoft.com/office/drawing/2014/main" id="{2DB7B2ED-BE33-4129-AD73-CBBC8F2CA512}"/>
+            <a:endParaRPr lang="en-US"/>
+          </a:p>
+        </p:txBody>
+      </p:sp>
+      <p:sp>
+        <p:nvSpPr>
+          <p:cNvPr id="4" name="Rectangle 3">
+            <a:extLst>
+              <a:ext uri="{FF2B5EF4-FFF2-40B4-BE49-F238E27FC236}">
+                <a16:creationId xmlns:a16="http://schemas.microsoft.com/office/drawing/2014/main" id="{682F5842-9487-4385-A08F-142231A1D06F}"/>
               </a:ext>
             </a:extLst>
           </p:cNvPr>
@@ -7099,7 +6999,7 @@
         <p:spPr>
           <a:xfrm>
             <a:off x="258460" y="410247"/>
-            <a:ext cx="8207247" cy="532262"/>
+            <a:ext cx="2983509" cy="532262"/>
           </a:xfrm>
           <a:prstGeom prst="rect">
             <a:avLst/>
@@ -7126,51 +7026,158 @@
                 <a:uLnTx/>
                 <a:uFillTx/>
               </a:rPr>
-              <a:t>Макет мобильного приложения</a:t>
-            </a:r>
-          </a:p>
-        </p:txBody>
-      </p:sp>
-      <p:pic>
-        <p:nvPicPr>
-          <p:cNvPr id="6" name="Picture 5">
-            <a:extLst>
-              <a:ext uri="{FF2B5EF4-FFF2-40B4-BE49-F238E27FC236}">
-                <a16:creationId xmlns:a16="http://schemas.microsoft.com/office/drawing/2014/main" id="{8EB30BC3-4731-4D0D-8392-46FC65EBE76A}"/>
-              </a:ext>
-            </a:extLst>
-          </p:cNvPr>
-          <p:cNvPicPr>
-            <a:picLocks noChangeAspect="1"/>
-          </p:cNvPicPr>
+              <a:t>Внедрение</a:t>
+            </a:r>
+          </a:p>
+        </p:txBody>
+      </p:sp>
+      <p:sp>
+        <p:nvSpPr>
+          <p:cNvPr id="5" name="Rectangle 4">
+            <a:extLst>
+              <a:ext uri="{FF2B5EF4-FFF2-40B4-BE49-F238E27FC236}">
+                <a16:creationId xmlns:a16="http://schemas.microsoft.com/office/drawing/2014/main" id="{923F478C-F646-4BC6-9232-24BA53238C7B}"/>
+              </a:ext>
+            </a:extLst>
+          </p:cNvPr>
+          <p:cNvSpPr/>
           <p:nvPr/>
-        </p:nvPicPr>
-        <p:blipFill>
-          <a:blip r:embed="rId2">
-            <a:extLst>
-              <a:ext uri="{28A0092B-C50C-407E-A947-70E740481C1C}">
-                <a14:useLocalDpi xmlns:a14="http://schemas.microsoft.com/office/drawing/2010/main" val="0"/>
-              </a:ext>
-            </a:extLst>
-          </a:blip>
-          <a:stretch>
-            <a:fillRect/>
-          </a:stretch>
-        </p:blipFill>
+        </p:nvSpPr>
         <p:spPr>
           <a:xfrm>
-            <a:off x="4833257" y="1122971"/>
-            <a:ext cx="2682240" cy="5047488"/>
+            <a:off x="258460" y="1663478"/>
+            <a:ext cx="11750660" cy="3975704"/>
           </a:xfrm>
           <a:prstGeom prst="rect">
             <a:avLst/>
           </a:prstGeom>
         </p:spPr>
-      </p:pic>
+        <p:txBody>
+          <a:bodyPr wrap="square">
+            <a:spAutoFit/>
+          </a:bodyPr>
+          <a:lstStyle/>
+          <a:p>
+            <a:pPr lvl="0">
+              <a:lnSpc>
+                <a:spcPct val="70000"/>
+              </a:lnSpc>
+              <a:defRPr/>
+            </a:pPr>
+            <a:r>
+              <a:rPr lang="ru-RU" sz="2400" b="1" dirty="0"/>
+              <a:t>Итого на 10 велосипедов </a:t>
+            </a:r>
+            <a:r>
+              <a:rPr lang="en-US" sz="2400" b="1" dirty="0"/>
+              <a:t>~ 255 000 </a:t>
+            </a:r>
+            <a:r>
+              <a:rPr lang="ru-RU" sz="2400" b="1" dirty="0"/>
+              <a:t>рублей</a:t>
+            </a:r>
+          </a:p>
+          <a:p>
+            <a:pPr lvl="0">
+              <a:lnSpc>
+                <a:spcPct val="70000"/>
+              </a:lnSpc>
+              <a:defRPr/>
+            </a:pPr>
+            <a:endParaRPr lang="ru-RU" sz="2400" b="1" dirty="0"/>
+          </a:p>
+          <a:p>
+            <a:pPr lvl="0">
+              <a:lnSpc>
+                <a:spcPct val="70000"/>
+              </a:lnSpc>
+              <a:defRPr/>
+            </a:pPr>
+            <a:endParaRPr lang="ru-RU" sz="2400" b="1" dirty="0"/>
+          </a:p>
+          <a:p>
+            <a:pPr lvl="0">
+              <a:lnSpc>
+                <a:spcPct val="70000"/>
+              </a:lnSpc>
+              <a:defRPr/>
+            </a:pPr>
+            <a:r>
+              <a:rPr lang="ru-RU" sz="2400" b="1" dirty="0"/>
+              <a:t>Поддержка в год </a:t>
+            </a:r>
+            <a:r>
+              <a:rPr lang="en-US" sz="2400" b="1" dirty="0"/>
+              <a:t>~ </a:t>
+            </a:r>
+            <a:r>
+              <a:rPr lang="ru-RU" sz="2400" b="1" dirty="0"/>
+              <a:t>200 000 – 250 000 рублей</a:t>
+            </a:r>
+          </a:p>
+          <a:p>
+            <a:pPr lvl="0">
+              <a:lnSpc>
+                <a:spcPct val="70000"/>
+              </a:lnSpc>
+              <a:defRPr/>
+            </a:pPr>
+            <a:endParaRPr lang="ru-RU" sz="2400" b="1" dirty="0"/>
+          </a:p>
+          <a:p>
+            <a:pPr lvl="0">
+              <a:lnSpc>
+                <a:spcPct val="70000"/>
+              </a:lnSpc>
+              <a:defRPr/>
+            </a:pPr>
+            <a:endParaRPr lang="ru-RU" sz="2400" b="1" dirty="0"/>
+          </a:p>
+          <a:p>
+            <a:pPr lvl="0">
+              <a:lnSpc>
+                <a:spcPct val="70000"/>
+              </a:lnSpc>
+              <a:defRPr/>
+            </a:pPr>
+            <a:r>
+              <a:rPr lang="ru-RU" sz="2400" b="1" dirty="0"/>
+              <a:t>На первом этапе: три парковки (Пролетарка, Олимп, Рио) </a:t>
+            </a:r>
+            <a:r>
+              <a:rPr lang="en-US" sz="2400" b="1" dirty="0"/>
+              <a:t>~ 765 000 </a:t>
+            </a:r>
+            <a:r>
+              <a:rPr lang="ru-RU" sz="2400" b="1" dirty="0"/>
+              <a:t>рублей</a:t>
+            </a:r>
+          </a:p>
+          <a:p>
+            <a:pPr lvl="0">
+              <a:lnSpc>
+                <a:spcPct val="70000"/>
+              </a:lnSpc>
+              <a:defRPr/>
+            </a:pPr>
+            <a:r>
+              <a:rPr lang="ru-RU" sz="2400" b="1" dirty="0"/>
+              <a:t>С одной парковки: 12 рублей (базовая стоимость) + 4 рубля (за страховку(опционально))</a:t>
+            </a:r>
+            <a:br>
+              <a:rPr lang="ru-RU" sz="2400" b="1" dirty="0"/>
+            </a:br>
+            <a:r>
+              <a:rPr lang="ru-RU" sz="2400" b="1" dirty="0"/>
+              <a:t>Следовательно, минимум 120 в час с одной парковки. 1680 в день с одной парковки. 5040 – с трех парковок в день. С этим тарифом мы отбиваем стоиомсть трех первых парковок за 5 месяцев, но теряем в год 250000 на обслуживание. В следующий велосезон предыдущее годовое обслуживание мы окупаем за два месяца. Мы дешевле, чем байкшеринг проект от ВТБ!!!</a:t>
+            </a:r>
+          </a:p>
+        </p:txBody>
+      </p:sp>
     </p:spTree>
     <p:extLst>
       <p:ext uri="{BB962C8B-B14F-4D97-AF65-F5344CB8AC3E}">
-        <p14:creationId xmlns:p14="http://schemas.microsoft.com/office/powerpoint/2010/main" val="3937885145"/>
+        <p14:creationId xmlns:p14="http://schemas.microsoft.com/office/powerpoint/2010/main" val="76621496"/>
       </p:ext>
     </p:extLst>
   </p:cSld>
@@ -7304,15 +7311,15 @@
         </p:nvSpPr>
         <p:spPr>
           <a:xfrm>
-            <a:off x="258459" y="410247"/>
-            <a:ext cx="11552541" cy="1174104"/>
+            <a:off x="258460" y="410247"/>
+            <a:ext cx="8207247" cy="532262"/>
           </a:xfrm>
           <a:prstGeom prst="rect">
             <a:avLst/>
           </a:prstGeom>
         </p:spPr>
         <p:txBody>
-          <a:bodyPr wrap="square">
+          <a:bodyPr wrap="none">
             <a:spAutoFit/>
           </a:bodyPr>
           <a:lstStyle/>
@@ -7324,27 +7331,7 @@
               <a:defRPr/>
             </a:pPr>
             <a:r>
-              <a:rPr lang="ru-RU" sz="4000" b="1" dirty="0"/>
-              <a:t>Технический стэк</a:t>
-            </a:r>
-            <a:endParaRPr kumimoji="0" lang="ru-RU" sz="4000" b="1" i="0" u="none" strike="noStrike" kern="1200" cap="none" spc="0" normalizeH="0" baseline="0" noProof="0" dirty="0">
-              <a:ln>
-                <a:noFill/>
-              </a:ln>
-              <a:effectLst/>
-              <a:uLnTx/>
-              <a:uFillTx/>
-            </a:endParaRPr>
-          </a:p>
-          <a:p>
-            <a:pPr lvl="0">
-              <a:lnSpc>
-                <a:spcPct val="70000"/>
-              </a:lnSpc>
-              <a:defRPr/>
-            </a:pPr>
-            <a:r>
-              <a:rPr kumimoji="0" lang="en-US" sz="2000" i="0" u="none" strike="noStrike" kern="1200" cap="none" spc="0" normalizeH="0" baseline="0" noProof="0" dirty="0">
+              <a:rPr kumimoji="0" lang="ru-RU" sz="4000" b="1" i="0" u="none" strike="noStrike" kern="1200" cap="none" spc="0" normalizeH="0" baseline="0" noProof="0" dirty="0">
                 <a:ln>
                   <a:noFill/>
                 </a:ln>
@@ -7352,148 +7339,51 @@
                 <a:uLnTx/>
                 <a:uFillTx/>
               </a:rPr>
-              <a:t>Backend</a:t>
-            </a:r>
-            <a:r>
-              <a:rPr kumimoji="0" lang="ru-RU" sz="2000" i="0" u="none" strike="noStrike" kern="1200" cap="none" spc="0" normalizeH="0" baseline="0" noProof="0" dirty="0">
-                <a:ln>
-                  <a:noFill/>
-                </a:ln>
-                <a:effectLst/>
-                <a:uLnTx/>
-                <a:uFillTx/>
-              </a:rPr>
-              <a:t>: </a:t>
-            </a:r>
-            <a:r>
-              <a:rPr kumimoji="0" lang="en-US" sz="2000" i="0" u="none" strike="noStrike" kern="1200" cap="none" spc="0" normalizeH="0" baseline="0" noProof="0" dirty="0">
-                <a:ln>
-                  <a:noFill/>
-                </a:ln>
-                <a:effectLst/>
-                <a:uLnTx/>
-                <a:uFillTx/>
-              </a:rPr>
-              <a:t>Java, </a:t>
-            </a:r>
-            <a:r>
-              <a:rPr kumimoji="0" lang="en-US" sz="2000" i="0" u="none" strike="noStrike" kern="1200" cap="none" spc="0" normalizeH="0" baseline="0" noProof="0" dirty="0" err="1">
-                <a:ln>
-                  <a:noFill/>
-                </a:ln>
-                <a:effectLst/>
-                <a:uLnTx/>
-                <a:uFillTx/>
-              </a:rPr>
-              <a:t>SpringBoot</a:t>
-            </a:r>
-            <a:r>
-              <a:rPr kumimoji="0" lang="en-US" sz="2000" i="0" u="none" strike="noStrike" kern="1200" cap="none" spc="0" normalizeH="0" baseline="0" noProof="0" dirty="0">
-                <a:ln>
-                  <a:noFill/>
-                </a:ln>
-                <a:effectLst/>
-                <a:uLnTx/>
-                <a:uFillTx/>
-              </a:rPr>
-              <a:t>, </a:t>
-            </a:r>
-            <a:r>
-              <a:rPr kumimoji="0" lang="en-US" sz="2000" i="0" u="none" strike="noStrike" kern="1200" cap="none" spc="0" normalizeH="0" baseline="0" noProof="0" dirty="0" err="1">
-                <a:ln>
-                  <a:noFill/>
-                </a:ln>
-                <a:effectLst/>
-                <a:uLnTx/>
-                <a:uFillTx/>
-              </a:rPr>
-              <a:t>JHipster</a:t>
-            </a:r>
-            <a:endParaRPr kumimoji="0" lang="ru-RU" sz="2000" i="0" u="none" strike="noStrike" kern="1200" cap="none" spc="0" normalizeH="0" baseline="0" noProof="0" dirty="0">
-              <a:ln>
-                <a:noFill/>
-              </a:ln>
-              <a:effectLst/>
-              <a:uLnTx/>
-              <a:uFillTx/>
-            </a:endParaRPr>
-          </a:p>
-          <a:p>
-            <a:pPr lvl="0">
-              <a:lnSpc>
-                <a:spcPct val="70000"/>
-              </a:lnSpc>
-              <a:defRPr/>
-            </a:pPr>
-            <a:r>
-              <a:rPr lang="en-US" sz="2000" dirty="0"/>
-              <a:t>Frontend</a:t>
-            </a:r>
-            <a:r>
-              <a:rPr lang="ru-RU" sz="2000" dirty="0"/>
-              <a:t>:</a:t>
-            </a:r>
-            <a:r>
-              <a:rPr lang="en-US" sz="2000" dirty="0"/>
-              <a:t> HTML, CSS (Bootstrap), JS</a:t>
-            </a:r>
-            <a:endParaRPr lang="ru-RU" sz="2000" dirty="0"/>
-          </a:p>
-          <a:p>
-            <a:pPr lvl="0">
-              <a:lnSpc>
-                <a:spcPct val="70000"/>
-              </a:lnSpc>
-              <a:defRPr/>
-            </a:pPr>
-            <a:r>
-              <a:rPr kumimoji="0" lang="ru-RU" sz="2000" i="0" u="none" strike="noStrike" kern="1200" cap="none" spc="0" normalizeH="0" baseline="0" noProof="0" dirty="0">
-                <a:ln>
-                  <a:noFill/>
-                </a:ln>
-                <a:effectLst/>
-                <a:uLnTx/>
-                <a:uFillTx/>
-              </a:rPr>
-              <a:t>Сущностная модель данных: </a:t>
-            </a:r>
-            <a:r>
-              <a:rPr kumimoji="0" lang="en-US" sz="2000" i="0" u="none" strike="noStrike" kern="1200" cap="none" spc="0" normalizeH="0" baseline="0" noProof="0" dirty="0">
-                <a:ln>
-                  <a:noFill/>
-                </a:ln>
-                <a:effectLst/>
-                <a:uLnTx/>
-                <a:uFillTx/>
-              </a:rPr>
-              <a:t>H2Database, </a:t>
-            </a:r>
-            <a:r>
-              <a:rPr kumimoji="0" lang="en-US" sz="2000" i="0" u="none" strike="noStrike" kern="1200" cap="none" spc="0" normalizeH="0" baseline="0" noProof="0" dirty="0" err="1">
-                <a:ln>
-                  <a:noFill/>
-                </a:ln>
-                <a:effectLst/>
-                <a:uLnTx/>
-                <a:uFillTx/>
-              </a:rPr>
-              <a:t>Liquibase</a:t>
-            </a:r>
-            <a:endParaRPr kumimoji="0" lang="en-US" sz="2000" i="0" u="none" strike="noStrike" kern="1200" cap="none" spc="0" normalizeH="0" baseline="0" noProof="0" dirty="0">
-              <a:ln>
-                <a:noFill/>
-              </a:ln>
-              <a:effectLst/>
-              <a:uLnTx/>
-              <a:uFillTx/>
-            </a:endParaRPr>
-          </a:p>
-        </p:txBody>
-      </p:sp>
+              <a:t>Макет мобильного приложения</a:t>
+            </a:r>
+          </a:p>
+        </p:txBody>
+      </p:sp>
+      <p:pic>
+        <p:nvPicPr>
+          <p:cNvPr id="6" name="Picture 5">
+            <a:extLst>
+              <a:ext uri="{FF2B5EF4-FFF2-40B4-BE49-F238E27FC236}">
+                <a16:creationId xmlns:a16="http://schemas.microsoft.com/office/drawing/2014/main" id="{8EB30BC3-4731-4D0D-8392-46FC65EBE76A}"/>
+              </a:ext>
+            </a:extLst>
+          </p:cNvPr>
+          <p:cNvPicPr>
+            <a:picLocks noChangeAspect="1"/>
+          </p:cNvPicPr>
+          <p:nvPr/>
+        </p:nvPicPr>
+        <p:blipFill>
+          <a:blip r:embed="rId2">
+            <a:extLst>
+              <a:ext uri="{28A0092B-C50C-407E-A947-70E740481C1C}">
+                <a14:useLocalDpi xmlns:a14="http://schemas.microsoft.com/office/drawing/2010/main" val="0"/>
+              </a:ext>
+            </a:extLst>
+          </a:blip>
+          <a:stretch>
+            <a:fillRect/>
+          </a:stretch>
+        </p:blipFill>
+        <p:spPr>
+          <a:xfrm>
+            <a:off x="4833257" y="1122971"/>
+            <a:ext cx="2682240" cy="5047488"/>
+          </a:xfrm>
+          <a:prstGeom prst="rect">
+            <a:avLst/>
+          </a:prstGeom>
+        </p:spPr>
+      </p:pic>
     </p:spTree>
     <p:extLst>
       <p:ext uri="{BB962C8B-B14F-4D97-AF65-F5344CB8AC3E}">
-        <p14:creationId xmlns:p14="http://schemas.microsoft.com/office/powerpoint/2010/main" val="2329782960"/>
+        <p14:creationId xmlns:p14="http://schemas.microsoft.com/office/powerpoint/2010/main" val="3937885145"/>
       </p:ext>
     </p:extLst>
   </p:cSld>
@@ -7627,6 +7517,329 @@
         </p:nvSpPr>
         <p:spPr>
           <a:xfrm>
+            <a:off x="258459" y="410247"/>
+            <a:ext cx="11552541" cy="1174104"/>
+          </a:xfrm>
+          <a:prstGeom prst="rect">
+            <a:avLst/>
+          </a:prstGeom>
+        </p:spPr>
+        <p:txBody>
+          <a:bodyPr wrap="square">
+            <a:spAutoFit/>
+          </a:bodyPr>
+          <a:lstStyle/>
+          <a:p>
+            <a:pPr lvl="0">
+              <a:lnSpc>
+                <a:spcPct val="70000"/>
+              </a:lnSpc>
+              <a:defRPr/>
+            </a:pPr>
+            <a:r>
+              <a:rPr lang="ru-RU" sz="4000" b="1" dirty="0"/>
+              <a:t>Технический стэк</a:t>
+            </a:r>
+            <a:endParaRPr kumimoji="0" lang="ru-RU" sz="4000" b="1" i="0" u="none" strike="noStrike" kern="1200" cap="none" spc="0" normalizeH="0" baseline="0" noProof="0" dirty="0">
+              <a:ln>
+                <a:noFill/>
+              </a:ln>
+              <a:effectLst/>
+              <a:uLnTx/>
+              <a:uFillTx/>
+            </a:endParaRPr>
+          </a:p>
+          <a:p>
+            <a:pPr lvl="0">
+              <a:lnSpc>
+                <a:spcPct val="70000"/>
+              </a:lnSpc>
+              <a:defRPr/>
+            </a:pPr>
+            <a:r>
+              <a:rPr kumimoji="0" lang="en-US" sz="2000" i="0" u="none" strike="noStrike" kern="1200" cap="none" spc="0" normalizeH="0" baseline="0" noProof="0" dirty="0">
+                <a:ln>
+                  <a:noFill/>
+                </a:ln>
+                <a:effectLst/>
+                <a:uLnTx/>
+                <a:uFillTx/>
+              </a:rPr>
+              <a:t>Backend</a:t>
+            </a:r>
+            <a:r>
+              <a:rPr kumimoji="0" lang="ru-RU" sz="2000" i="0" u="none" strike="noStrike" kern="1200" cap="none" spc="0" normalizeH="0" baseline="0" noProof="0" dirty="0">
+                <a:ln>
+                  <a:noFill/>
+                </a:ln>
+                <a:effectLst/>
+                <a:uLnTx/>
+                <a:uFillTx/>
+              </a:rPr>
+              <a:t>: </a:t>
+            </a:r>
+            <a:r>
+              <a:rPr kumimoji="0" lang="en-US" sz="2000" i="0" u="none" strike="noStrike" kern="1200" cap="none" spc="0" normalizeH="0" baseline="0" noProof="0" dirty="0">
+                <a:ln>
+                  <a:noFill/>
+                </a:ln>
+                <a:effectLst/>
+                <a:uLnTx/>
+                <a:uFillTx/>
+              </a:rPr>
+              <a:t>Java, </a:t>
+            </a:r>
+            <a:r>
+              <a:rPr kumimoji="0" lang="en-US" sz="2000" i="0" u="none" strike="noStrike" kern="1200" cap="none" spc="0" normalizeH="0" baseline="0" noProof="0" dirty="0" err="1">
+                <a:ln>
+                  <a:noFill/>
+                </a:ln>
+                <a:effectLst/>
+                <a:uLnTx/>
+                <a:uFillTx/>
+              </a:rPr>
+              <a:t>SpringBoot</a:t>
+            </a:r>
+            <a:r>
+              <a:rPr kumimoji="0" lang="en-US" sz="2000" i="0" u="none" strike="noStrike" kern="1200" cap="none" spc="0" normalizeH="0" baseline="0" noProof="0" dirty="0">
+                <a:ln>
+                  <a:noFill/>
+                </a:ln>
+                <a:effectLst/>
+                <a:uLnTx/>
+                <a:uFillTx/>
+              </a:rPr>
+              <a:t>, </a:t>
+            </a:r>
+            <a:r>
+              <a:rPr kumimoji="0" lang="en-US" sz="2000" i="0" u="none" strike="noStrike" kern="1200" cap="none" spc="0" normalizeH="0" baseline="0" noProof="0" dirty="0" err="1">
+                <a:ln>
+                  <a:noFill/>
+                </a:ln>
+                <a:effectLst/>
+                <a:uLnTx/>
+                <a:uFillTx/>
+              </a:rPr>
+              <a:t>JHipster</a:t>
+            </a:r>
+            <a:endParaRPr kumimoji="0" lang="ru-RU" sz="2000" i="0" u="none" strike="noStrike" kern="1200" cap="none" spc="0" normalizeH="0" baseline="0" noProof="0" dirty="0">
+              <a:ln>
+                <a:noFill/>
+              </a:ln>
+              <a:effectLst/>
+              <a:uLnTx/>
+              <a:uFillTx/>
+            </a:endParaRPr>
+          </a:p>
+          <a:p>
+            <a:pPr lvl="0">
+              <a:lnSpc>
+                <a:spcPct val="70000"/>
+              </a:lnSpc>
+              <a:defRPr/>
+            </a:pPr>
+            <a:r>
+              <a:rPr lang="en-US" sz="2000" dirty="0"/>
+              <a:t>Frontend</a:t>
+            </a:r>
+            <a:r>
+              <a:rPr lang="ru-RU" sz="2000" dirty="0"/>
+              <a:t>:</a:t>
+            </a:r>
+            <a:r>
+              <a:rPr lang="en-US" sz="2000" dirty="0"/>
+              <a:t> HTML, CSS (Bootstrap), JS</a:t>
+            </a:r>
+            <a:endParaRPr lang="ru-RU" sz="2000" dirty="0"/>
+          </a:p>
+          <a:p>
+            <a:pPr lvl="0">
+              <a:lnSpc>
+                <a:spcPct val="70000"/>
+              </a:lnSpc>
+              <a:defRPr/>
+            </a:pPr>
+            <a:r>
+              <a:rPr kumimoji="0" lang="ru-RU" sz="2000" i="0" u="none" strike="noStrike" kern="1200" cap="none" spc="0" normalizeH="0" baseline="0" noProof="0" dirty="0">
+                <a:ln>
+                  <a:noFill/>
+                </a:ln>
+                <a:effectLst/>
+                <a:uLnTx/>
+                <a:uFillTx/>
+              </a:rPr>
+              <a:t>Сущностная модель данных: </a:t>
+            </a:r>
+            <a:r>
+              <a:rPr kumimoji="0" lang="en-US" sz="2000" i="0" u="none" strike="noStrike" kern="1200" cap="none" spc="0" normalizeH="0" baseline="0" noProof="0" dirty="0">
+                <a:ln>
+                  <a:noFill/>
+                </a:ln>
+                <a:effectLst/>
+                <a:uLnTx/>
+                <a:uFillTx/>
+              </a:rPr>
+              <a:t>H2Database, </a:t>
+            </a:r>
+            <a:r>
+              <a:rPr kumimoji="0" lang="en-US" sz="2000" i="0" u="none" strike="noStrike" kern="1200" cap="none" spc="0" normalizeH="0" baseline="0" noProof="0" dirty="0" err="1">
+                <a:ln>
+                  <a:noFill/>
+                </a:ln>
+                <a:effectLst/>
+                <a:uLnTx/>
+                <a:uFillTx/>
+              </a:rPr>
+              <a:t>Liquibase</a:t>
+            </a:r>
+            <a:endParaRPr kumimoji="0" lang="en-US" sz="2000" i="0" u="none" strike="noStrike" kern="1200" cap="none" spc="0" normalizeH="0" baseline="0" noProof="0" dirty="0">
+              <a:ln>
+                <a:noFill/>
+              </a:ln>
+              <a:effectLst/>
+              <a:uLnTx/>
+              <a:uFillTx/>
+            </a:endParaRPr>
+          </a:p>
+        </p:txBody>
+      </p:sp>
+    </p:spTree>
+    <p:extLst>
+      <p:ext uri="{BB962C8B-B14F-4D97-AF65-F5344CB8AC3E}">
+        <p14:creationId xmlns:p14="http://schemas.microsoft.com/office/powerpoint/2010/main" val="2329782960"/>
+      </p:ext>
+    </p:extLst>
+  </p:cSld>
+  <p:clrMapOvr>
+    <a:masterClrMapping/>
+  </p:clrMapOvr>
+</p:sld>
+</file>
+
+<file path=ppt/slides/slide9.xml><?xml version="1.0" encoding="utf-8"?>
+<p:sld xmlns:a="http://schemas.openxmlformats.org/drawingml/2006/main" xmlns:r="http://schemas.openxmlformats.org/officeDocument/2006/relationships" xmlns:p="http://schemas.openxmlformats.org/presentationml/2006/main">
+  <p:cSld>
+    <p:spTree>
+      <p:nvGrpSpPr>
+        <p:cNvPr id="1" name=""/>
+        <p:cNvGrpSpPr/>
+        <p:nvPr/>
+      </p:nvGrpSpPr>
+      <p:grpSpPr>
+        <a:xfrm>
+          <a:off x="0" y="0"/>
+          <a:ext cx="0" cy="0"/>
+          <a:chOff x="0" y="0"/>
+          <a:chExt cx="0" cy="0"/>
+        </a:xfrm>
+      </p:grpSpPr>
+      <p:sp>
+        <p:nvSpPr>
+          <p:cNvPr id="3" name="Slide Number Placeholder 2">
+            <a:extLst>
+              <a:ext uri="{FF2B5EF4-FFF2-40B4-BE49-F238E27FC236}">
+                <a16:creationId xmlns:a16="http://schemas.microsoft.com/office/drawing/2014/main" id="{A33F0A76-2B73-450D-A8FC-F7366EB87B34}"/>
+              </a:ext>
+            </a:extLst>
+          </p:cNvPr>
+          <p:cNvSpPr>
+            <a:spLocks noGrp="1"/>
+          </p:cNvSpPr>
+          <p:nvPr>
+            <p:ph type="sldNum" sz="quarter" idx="12"/>
+          </p:nvPr>
+        </p:nvSpPr>
+        <p:spPr/>
+        <p:txBody>
+          <a:bodyPr/>
+          <a:lstStyle/>
+          <a:p>
+            <a:pPr marL="0" marR="0" lvl="0" indent="0" algn="r" defTabSz="914400" rtl="0" eaLnBrk="1" fontAlgn="auto" latinLnBrk="0" hangingPunct="1">
+              <a:lnSpc>
+                <a:spcPct val="100000"/>
+              </a:lnSpc>
+              <a:spcBef>
+                <a:spcPts val="0"/>
+              </a:spcBef>
+              <a:spcAft>
+                <a:spcPts val="0"/>
+              </a:spcAft>
+              <a:buClrTx/>
+              <a:buSzTx/>
+              <a:buFontTx/>
+              <a:buNone/>
+              <a:tabLst/>
+              <a:defRPr/>
+            </a:pPr>
+            <a:fld id="{4F9AC08D-23A9-440E-BCB9-AA1E9877CC38}" type="slidenum">
+              <a:rPr kumimoji="0" lang="en-US" sz="1000" b="0" i="0" u="none" strike="noStrike" kern="1200" cap="none" spc="0" normalizeH="0" baseline="0" noProof="0" smtClean="0">
+                <a:ln>
+                  <a:noFill/>
+                </a:ln>
+                <a:solidFill>
+                  <a:prstClr val="white">
+                    <a:lumMod val="65000"/>
+                  </a:prstClr>
+                </a:solidFill>
+                <a:effectLst/>
+                <a:uLnTx/>
+                <a:uFillTx/>
+                <a:latin typeface="Arial"/>
+                <a:ea typeface="+mn-ea"/>
+                <a:cs typeface="+mn-cs"/>
+              </a:rPr>
+              <a:pPr marL="0" marR="0" lvl="0" indent="0" algn="r" defTabSz="914400" rtl="0" eaLnBrk="1" fontAlgn="auto" latinLnBrk="0" hangingPunct="1">
+                <a:lnSpc>
+                  <a:spcPct val="100000"/>
+                </a:lnSpc>
+                <a:spcBef>
+                  <a:spcPts val="0"/>
+                </a:spcBef>
+                <a:spcAft>
+                  <a:spcPts val="0"/>
+                </a:spcAft>
+                <a:buClrTx/>
+                <a:buSzTx/>
+                <a:buFontTx/>
+                <a:buNone/>
+                <a:tabLst/>
+                <a:defRPr/>
+              </a:pPr>
+              <a:t>9</a:t>
+            </a:fld>
+            <a:endParaRPr kumimoji="0" lang="en-US" sz="1000" b="0" i="0" u="none" strike="noStrike" kern="1200" cap="none" spc="0" normalizeH="0" baseline="0" noProof="0">
+              <a:ln>
+                <a:noFill/>
+              </a:ln>
+              <a:solidFill>
+                <a:prstClr val="white">
+                  <a:lumMod val="65000"/>
+                </a:prstClr>
+              </a:solidFill>
+              <a:effectLst/>
+              <a:uLnTx/>
+              <a:uFillTx/>
+              <a:latin typeface="Arial"/>
+              <a:ea typeface="+mn-ea"/>
+              <a:cs typeface="+mn-cs"/>
+            </a:endParaRPr>
+          </a:p>
+        </p:txBody>
+      </p:sp>
+      <p:sp>
+        <p:nvSpPr>
+          <p:cNvPr id="10" name="Rectangle 9">
+            <a:extLst>
+              <a:ext uri="{FF2B5EF4-FFF2-40B4-BE49-F238E27FC236}">
+                <a16:creationId xmlns:a16="http://schemas.microsoft.com/office/drawing/2014/main" id="{2DB7B2ED-BE33-4129-AD73-CBBC8F2CA512}"/>
+              </a:ext>
+            </a:extLst>
+          </p:cNvPr>
+          <p:cNvSpPr/>
+          <p:nvPr/>
+        </p:nvSpPr>
+        <p:spPr>
+          <a:xfrm>
             <a:off x="258460" y="410247"/>
             <a:ext cx="5950219" cy="958660"/>
           </a:xfrm>
@@ -7714,7 +7927,7 @@
         <p:spPr>
           <a:xfrm>
             <a:off x="258460" y="1663478"/>
-            <a:ext cx="11750660" cy="614784"/>
+            <a:ext cx="11750660" cy="1131848"/>
           </a:xfrm>
           <a:prstGeom prst="rect">
             <a:avLst/>
@@ -7735,6 +7948,25 @@
             <a:r>
               <a:rPr lang="ru-RU" sz="2400" b="1" dirty="0"/>
               <a:t>Есть возможность выйти в города Тверской области без особых затрат на приложение и сайт.</a:t>
+            </a:r>
+            <a:br>
+              <a:rPr lang="ru-RU" sz="2400" b="1" dirty="0"/>
+            </a:br>
+            <a:r>
+              <a:rPr lang="ru-RU" sz="2400" b="1" dirty="0"/>
+              <a:t>Есть возможность продавать франшизу (по примеру Додо-пицца, </a:t>
+            </a:r>
+            <a:r>
+              <a:rPr lang="en-US" sz="2400" b="1" dirty="0"/>
+              <a:t>Chop-Chop</a:t>
+            </a:r>
+            <a:r>
+              <a:rPr lang="ru-RU" sz="2400" b="1" dirty="0"/>
+              <a:t>)</a:t>
+            </a:r>
+            <a:r>
+              <a:rPr lang="en-US" sz="2400" b="1" dirty="0"/>
+              <a:t>.</a:t>
             </a:r>
             <a:endParaRPr kumimoji="0" lang="en-US" sz="1200" i="0" u="none" strike="noStrike" kern="1200" cap="none" spc="0" normalizeH="0" baseline="0" noProof="0" dirty="0">
               <a:ln>
